--- a/second_presentation/PPT/12_WDI_30-5.pptx
+++ b/second_presentation/PPT/12_WDI_30-5.pptx
@@ -6324,8 +6324,8 @@
         </p:nvSpPr>
         <p:spPr>
           <a:xfrm>
-            <a:off x="3707904" y="1844824"/>
-            <a:ext cx="1656184" cy="954107"/>
+            <a:off x="3635896" y="1826821"/>
+            <a:ext cx="1872208" cy="954107"/>
           </a:xfrm>
           <a:prstGeom prst="rect">
             <a:avLst/>
@@ -6359,6 +6359,14 @@
             <a:r>
               <a:rPr lang="it-IT" sz="2800" dirty="0" err="1" smtClean="0"/>
               <a:t>fullest</a:t>
+            </a:r>
+            <a:r>
+              <a:rPr lang="it-IT" sz="2800" dirty="0" smtClean="0"/>
+              <a:t> </a:t>
+            </a:r>
+            <a:r>
+              <a:rPr lang="it-IT" sz="2800" dirty="0" err="1" smtClean="0"/>
+              <a:t>ones</a:t>
             </a:r>
             <a:endParaRPr lang="it-IT" sz="2800" dirty="0"/>
           </a:p>
@@ -6619,7 +6627,7 @@
         </p:nvSpPr>
         <p:spPr>
           <a:xfrm>
-            <a:off x="5436096" y="2564904"/>
+            <a:off x="5508104" y="2564904"/>
             <a:ext cx="1008112" cy="648072"/>
           </a:xfrm>
           <a:prstGeom prst="downArrow">
@@ -8240,7 +8248,7 @@
         </p:blipFill>
         <p:spPr bwMode="auto">
           <a:xfrm>
-            <a:off x="-36512" y="1412776"/>
+            <a:off x="35496" y="1412776"/>
             <a:ext cx="3960440" cy="2828886"/>
           </a:xfrm>
           <a:prstGeom prst="rect">
